--- a/個人制作/GoodLuckyer.pptx
+++ b/個人制作/GoodLuckyer.pptx
@@ -2,10 +2,13 @@
 <file path=ppt/presentation.xml><?xml version="1.0" encoding="utf-8"?>
 <p:presentation xmlns:a="http://schemas.openxmlformats.org/drawingml/2006/main" xmlns:r="http://schemas.openxmlformats.org/officeDocument/2006/relationships" xmlns:p="http://schemas.openxmlformats.org/presentationml/2006/main" saveSubsetFonts="1">
   <p:sldMasterIdLst>
-    <p:sldMasterId id="2147483648" r:id="rId1"/>
+    <p:sldMasterId id="2147483678" r:id="rId1"/>
   </p:sldMasterIdLst>
   <p:sldIdLst>
     <p:sldId id="256" r:id="rId2"/>
+    <p:sldId id="259" r:id="rId3"/>
+    <p:sldId id="257" r:id="rId4"/>
+    <p:sldId id="258" r:id="rId5"/>
   </p:sldIdLst>
   <p:sldSz cx="12192000" cy="6858000"/>
   <p:notesSz cx="6858000" cy="9144000"/>
@@ -104,6 +107,11 @@
       </a:defRPr>
     </a:lvl9pPr>
   </p:defaultTextStyle>
+  <p:extLst>
+    <p:ext uri="{EFAFB233-063F-42B5-8137-9DF3F51BA10A}">
+      <p15:sldGuideLst xmlns:p15="http://schemas.microsoft.com/office/powerpoint/2012/main"/>
+    </p:ext>
+  </p:extLst>
 </p:presentation>
 </file>
 
@@ -238,7 +246,7 @@
           <a:p>
             <a:fld id="{A9BB642B-6FA0-42F0-8A92-8868F5A77D7B}" type="datetimeFigureOut">
               <a:rPr kumimoji="1" lang="ja-JP" altLang="en-US" smtClean="0"/>
-              <a:t>2024/10/11</a:t>
+              <a:t>2024/10/17</a:t>
             </a:fld>
             <a:endParaRPr kumimoji="1" lang="ja-JP" altLang="en-US"/>
           </a:p>
@@ -289,7 +297,7 @@
     </p:spTree>
     <p:extLst>
       <p:ext uri="{BB962C8B-B14F-4D97-AF65-F5344CB8AC3E}">
-        <p14:creationId xmlns:p14="http://schemas.microsoft.com/office/powerpoint/2010/main" val="614520989"/>
+        <p14:creationId xmlns:p14="http://schemas.microsoft.com/office/powerpoint/2010/main" val="3344036792"/>
       </p:ext>
     </p:extLst>
   </p:cSld>
@@ -440,7 +448,7 @@
           <a:p>
             <a:fld id="{A9BB642B-6FA0-42F0-8A92-8868F5A77D7B}" type="datetimeFigureOut">
               <a:rPr kumimoji="1" lang="ja-JP" altLang="en-US" smtClean="0"/>
-              <a:t>2024/10/11</a:t>
+              <a:t>2024/10/17</a:t>
             </a:fld>
             <a:endParaRPr kumimoji="1" lang="ja-JP" altLang="en-US"/>
           </a:p>
@@ -491,7 +499,7 @@
     </p:spTree>
     <p:extLst>
       <p:ext uri="{BB962C8B-B14F-4D97-AF65-F5344CB8AC3E}">
-        <p14:creationId xmlns:p14="http://schemas.microsoft.com/office/powerpoint/2010/main" val="941983571"/>
+        <p14:creationId xmlns:p14="http://schemas.microsoft.com/office/powerpoint/2010/main" val="3191461967"/>
       </p:ext>
     </p:extLst>
   </p:cSld>
@@ -652,7 +660,7 @@
           <a:p>
             <a:fld id="{A9BB642B-6FA0-42F0-8A92-8868F5A77D7B}" type="datetimeFigureOut">
               <a:rPr kumimoji="1" lang="ja-JP" altLang="en-US" smtClean="0"/>
-              <a:t>2024/10/11</a:t>
+              <a:t>2024/10/17</a:t>
             </a:fld>
             <a:endParaRPr kumimoji="1" lang="ja-JP" altLang="en-US"/>
           </a:p>
@@ -703,7 +711,7 @@
     </p:spTree>
     <p:extLst>
       <p:ext uri="{BB962C8B-B14F-4D97-AF65-F5344CB8AC3E}">
-        <p14:creationId xmlns:p14="http://schemas.microsoft.com/office/powerpoint/2010/main" val="250764651"/>
+        <p14:creationId xmlns:p14="http://schemas.microsoft.com/office/powerpoint/2010/main" val="73953732"/>
       </p:ext>
     </p:extLst>
   </p:cSld>
@@ -854,7 +862,7 @@
           <a:p>
             <a:fld id="{A9BB642B-6FA0-42F0-8A92-8868F5A77D7B}" type="datetimeFigureOut">
               <a:rPr kumimoji="1" lang="ja-JP" altLang="en-US" smtClean="0"/>
-              <a:t>2024/10/11</a:t>
+              <a:t>2024/10/17</a:t>
             </a:fld>
             <a:endParaRPr kumimoji="1" lang="ja-JP" altLang="en-US"/>
           </a:p>
@@ -905,7 +913,7 @@
     </p:spTree>
     <p:extLst>
       <p:ext uri="{BB962C8B-B14F-4D97-AF65-F5344CB8AC3E}">
-        <p14:creationId xmlns:p14="http://schemas.microsoft.com/office/powerpoint/2010/main" val="1516294814"/>
+        <p14:creationId xmlns:p14="http://schemas.microsoft.com/office/powerpoint/2010/main" val="1648900630"/>
       </p:ext>
     </p:extLst>
   </p:cSld>
@@ -1100,7 +1108,7 @@
           <a:p>
             <a:fld id="{A9BB642B-6FA0-42F0-8A92-8868F5A77D7B}" type="datetimeFigureOut">
               <a:rPr kumimoji="1" lang="ja-JP" altLang="en-US" smtClean="0"/>
-              <a:t>2024/10/11</a:t>
+              <a:t>2024/10/17</a:t>
             </a:fld>
             <a:endParaRPr kumimoji="1" lang="ja-JP" altLang="en-US"/>
           </a:p>
@@ -1151,7 +1159,7 @@
     </p:spTree>
     <p:extLst>
       <p:ext uri="{BB962C8B-B14F-4D97-AF65-F5344CB8AC3E}">
-        <p14:creationId xmlns:p14="http://schemas.microsoft.com/office/powerpoint/2010/main" val="837100138"/>
+        <p14:creationId xmlns:p14="http://schemas.microsoft.com/office/powerpoint/2010/main" val="4115107419"/>
       </p:ext>
     </p:extLst>
   </p:cSld>
@@ -1396,7 +1404,7 @@
           <a:p>
             <a:fld id="{A9BB642B-6FA0-42F0-8A92-8868F5A77D7B}" type="datetimeFigureOut">
               <a:rPr kumimoji="1" lang="ja-JP" altLang="en-US" smtClean="0"/>
-              <a:t>2024/10/11</a:t>
+              <a:t>2024/10/17</a:t>
             </a:fld>
             <a:endParaRPr kumimoji="1" lang="ja-JP" altLang="en-US"/>
           </a:p>
@@ -1447,7 +1455,7 @@
     </p:spTree>
     <p:extLst>
       <p:ext uri="{BB962C8B-B14F-4D97-AF65-F5344CB8AC3E}">
-        <p14:creationId xmlns:p14="http://schemas.microsoft.com/office/powerpoint/2010/main" val="1748645326"/>
+        <p14:creationId xmlns:p14="http://schemas.microsoft.com/office/powerpoint/2010/main" val="469006912"/>
       </p:ext>
     </p:extLst>
   </p:cSld>
@@ -1827,7 +1835,7 @@
           <a:p>
             <a:fld id="{A9BB642B-6FA0-42F0-8A92-8868F5A77D7B}" type="datetimeFigureOut">
               <a:rPr kumimoji="1" lang="ja-JP" altLang="en-US" smtClean="0"/>
-              <a:t>2024/10/11</a:t>
+              <a:t>2024/10/17</a:t>
             </a:fld>
             <a:endParaRPr kumimoji="1" lang="ja-JP" altLang="en-US"/>
           </a:p>
@@ -1878,7 +1886,7 @@
     </p:spTree>
     <p:extLst>
       <p:ext uri="{BB962C8B-B14F-4D97-AF65-F5344CB8AC3E}">
-        <p14:creationId xmlns:p14="http://schemas.microsoft.com/office/powerpoint/2010/main" val="1024419562"/>
+        <p14:creationId xmlns:p14="http://schemas.microsoft.com/office/powerpoint/2010/main" val="1095817198"/>
       </p:ext>
     </p:extLst>
   </p:cSld>
@@ -1945,7 +1953,7 @@
           <a:p>
             <a:fld id="{A9BB642B-6FA0-42F0-8A92-8868F5A77D7B}" type="datetimeFigureOut">
               <a:rPr kumimoji="1" lang="ja-JP" altLang="en-US" smtClean="0"/>
-              <a:t>2024/10/11</a:t>
+              <a:t>2024/10/17</a:t>
             </a:fld>
             <a:endParaRPr kumimoji="1" lang="ja-JP" altLang="en-US"/>
           </a:p>
@@ -1996,7 +2004,7 @@
     </p:spTree>
     <p:extLst>
       <p:ext uri="{BB962C8B-B14F-4D97-AF65-F5344CB8AC3E}">
-        <p14:creationId xmlns:p14="http://schemas.microsoft.com/office/powerpoint/2010/main" val="3461790875"/>
+        <p14:creationId xmlns:p14="http://schemas.microsoft.com/office/powerpoint/2010/main" val="4128180054"/>
       </p:ext>
     </p:extLst>
   </p:cSld>
@@ -2040,7 +2048,7 @@
           <a:p>
             <a:fld id="{A9BB642B-6FA0-42F0-8A92-8868F5A77D7B}" type="datetimeFigureOut">
               <a:rPr kumimoji="1" lang="ja-JP" altLang="en-US" smtClean="0"/>
-              <a:t>2024/10/11</a:t>
+              <a:t>2024/10/17</a:t>
             </a:fld>
             <a:endParaRPr kumimoji="1" lang="ja-JP" altLang="en-US"/>
           </a:p>
@@ -2091,7 +2099,7 @@
     </p:spTree>
     <p:extLst>
       <p:ext uri="{BB962C8B-B14F-4D97-AF65-F5344CB8AC3E}">
-        <p14:creationId xmlns:p14="http://schemas.microsoft.com/office/powerpoint/2010/main" val="1718848935"/>
+        <p14:creationId xmlns:p14="http://schemas.microsoft.com/office/powerpoint/2010/main" val="3223364325"/>
       </p:ext>
     </p:extLst>
   </p:cSld>
@@ -2349,7 +2357,7 @@
           <a:p>
             <a:fld id="{A9BB642B-6FA0-42F0-8A92-8868F5A77D7B}" type="datetimeFigureOut">
               <a:rPr kumimoji="1" lang="ja-JP" altLang="en-US" smtClean="0"/>
-              <a:t>2024/10/11</a:t>
+              <a:t>2024/10/17</a:t>
             </a:fld>
             <a:endParaRPr kumimoji="1" lang="ja-JP" altLang="en-US"/>
           </a:p>
@@ -2400,7 +2408,7 @@
     </p:spTree>
     <p:extLst>
       <p:ext uri="{BB962C8B-B14F-4D97-AF65-F5344CB8AC3E}">
-        <p14:creationId xmlns:p14="http://schemas.microsoft.com/office/powerpoint/2010/main" val="1268075573"/>
+        <p14:creationId xmlns:p14="http://schemas.microsoft.com/office/powerpoint/2010/main" val="415972914"/>
       </p:ext>
     </p:extLst>
   </p:cSld>
@@ -2602,7 +2610,7 @@
           <a:p>
             <a:fld id="{A9BB642B-6FA0-42F0-8A92-8868F5A77D7B}" type="datetimeFigureOut">
               <a:rPr kumimoji="1" lang="ja-JP" altLang="en-US" smtClean="0"/>
-              <a:t>2024/10/11</a:t>
+              <a:t>2024/10/17</a:t>
             </a:fld>
             <a:endParaRPr kumimoji="1" lang="ja-JP" altLang="en-US"/>
           </a:p>
@@ -2653,7 +2661,7 @@
     </p:spTree>
     <p:extLst>
       <p:ext uri="{BB962C8B-B14F-4D97-AF65-F5344CB8AC3E}">
-        <p14:creationId xmlns:p14="http://schemas.microsoft.com/office/powerpoint/2010/main" val="2750157650"/>
+        <p14:creationId xmlns:p14="http://schemas.microsoft.com/office/powerpoint/2010/main" val="4043201381"/>
       </p:ext>
     </p:extLst>
   </p:cSld>
@@ -2847,7 +2855,7 @@
           <a:p>
             <a:fld id="{A9BB642B-6FA0-42F0-8A92-8868F5A77D7B}" type="datetimeFigureOut">
               <a:rPr kumimoji="1" lang="ja-JP" altLang="en-US" smtClean="0"/>
-              <a:t>2024/10/11</a:t>
+              <a:t>2024/10/17</a:t>
             </a:fld>
             <a:endParaRPr kumimoji="1" lang="ja-JP" altLang="en-US"/>
           </a:p>
@@ -2934,23 +2942,23 @@
     </p:spTree>
     <p:extLst>
       <p:ext uri="{BB962C8B-B14F-4D97-AF65-F5344CB8AC3E}">
-        <p14:creationId xmlns:p14="http://schemas.microsoft.com/office/powerpoint/2010/main" val="497951125"/>
+        <p14:creationId xmlns:p14="http://schemas.microsoft.com/office/powerpoint/2010/main" val="944276374"/>
       </p:ext>
     </p:extLst>
   </p:cSld>
   <p:clrMap bg1="lt1" tx1="dk1" bg2="lt2" tx2="dk2" accent1="accent1" accent2="accent2" accent3="accent3" accent4="accent4" accent5="accent5" accent6="accent6" hlink="hlink" folHlink="folHlink"/>
   <p:sldLayoutIdLst>
-    <p:sldLayoutId id="2147483649" r:id="rId1"/>
-    <p:sldLayoutId id="2147483650" r:id="rId2"/>
-    <p:sldLayoutId id="2147483651" r:id="rId3"/>
-    <p:sldLayoutId id="2147483652" r:id="rId4"/>
-    <p:sldLayoutId id="2147483653" r:id="rId5"/>
-    <p:sldLayoutId id="2147483654" r:id="rId6"/>
-    <p:sldLayoutId id="2147483655" r:id="rId7"/>
-    <p:sldLayoutId id="2147483656" r:id="rId8"/>
-    <p:sldLayoutId id="2147483657" r:id="rId9"/>
-    <p:sldLayoutId id="2147483658" r:id="rId10"/>
-    <p:sldLayoutId id="2147483659" r:id="rId11"/>
+    <p:sldLayoutId id="2147483679" r:id="rId1"/>
+    <p:sldLayoutId id="2147483680" r:id="rId2"/>
+    <p:sldLayoutId id="2147483681" r:id="rId3"/>
+    <p:sldLayoutId id="2147483682" r:id="rId4"/>
+    <p:sldLayoutId id="2147483683" r:id="rId5"/>
+    <p:sldLayoutId id="2147483684" r:id="rId6"/>
+    <p:sldLayoutId id="2147483685" r:id="rId7"/>
+    <p:sldLayoutId id="2147483686" r:id="rId8"/>
+    <p:sldLayoutId id="2147483687" r:id="rId9"/>
+    <p:sldLayoutId id="2147483688" r:id="rId10"/>
+    <p:sldLayoutId id="2147483689" r:id="rId11"/>
   </p:sldLayoutIdLst>
   <p:txStyles>
     <p:titleStyle>
@@ -3261,7 +3269,7 @@
         <p:spPr>
           <a:xfrm>
             <a:off x="249382" y="282633"/>
-            <a:ext cx="1737360" cy="461665"/>
+            <a:ext cx="2750492" cy="646331"/>
           </a:xfrm>
           <a:prstGeom prst="rect">
             <a:avLst/>
@@ -3275,10 +3283,10 @@
           <a:lstStyle/>
           <a:p>
             <a:r>
-              <a:rPr kumimoji="1" lang="ja-JP" altLang="en-US" sz="2400" dirty="0" smtClean="0"/>
+              <a:rPr kumimoji="1" lang="ja-JP" altLang="en-US" sz="3600" b="1" u="sng" dirty="0" smtClean="0"/>
               <a:t>ゲーム概要</a:t>
             </a:r>
-            <a:endParaRPr kumimoji="1" lang="ja-JP" altLang="en-US" sz="2400" dirty="0"/>
+            <a:endParaRPr kumimoji="1" lang="ja-JP" altLang="en-US" sz="3600" b="1" u="sng" dirty="0"/>
           </a:p>
         </p:txBody>
       </p:sp>
@@ -3290,8 +3298,8 @@
         </p:nvSpPr>
         <p:spPr>
           <a:xfrm>
-            <a:off x="249382" y="881149"/>
-            <a:ext cx="8296102" cy="2246769"/>
+            <a:off x="249382" y="1218034"/>
+            <a:ext cx="9760892" cy="4524315"/>
           </a:xfrm>
           <a:prstGeom prst="rect">
             <a:avLst/>
@@ -3305,55 +3313,70 @@
           <a:lstStyle/>
           <a:p>
             <a:r>
-              <a:rPr kumimoji="1" lang="ja-JP" altLang="en-US" sz="2000" dirty="0" smtClean="0"/>
+              <a:rPr kumimoji="1" lang="ja-JP" altLang="en-US" sz="3600" dirty="0" smtClean="0"/>
               <a:t>タイトル</a:t>
             </a:r>
             <a:r>
-              <a:rPr lang="ja-JP" altLang="en-US" sz="2000" dirty="0" smtClean="0"/>
+              <a:rPr lang="ja-JP" altLang="en-US" sz="3600" dirty="0" smtClean="0"/>
               <a:t>：</a:t>
             </a:r>
             <a:r>
-              <a:rPr lang="en-US" altLang="ja-JP" sz="2000" dirty="0" smtClean="0"/>
+              <a:rPr lang="en-US" altLang="ja-JP" sz="3600" dirty="0" smtClean="0"/>
               <a:t>Good Lucker</a:t>
             </a:r>
           </a:p>
           <a:p>
-            <a:endParaRPr kumimoji="1" lang="en-US" altLang="ja-JP" sz="2000" dirty="0"/>
-          </a:p>
-          <a:p>
-            <a:endParaRPr lang="en-US" altLang="ja-JP" sz="2000" dirty="0" smtClean="0"/>
-          </a:p>
-          <a:p>
-            <a:r>
-              <a:rPr kumimoji="1" lang="ja-JP" altLang="en-US" sz="2000" dirty="0" smtClean="0"/>
+            <a:endParaRPr kumimoji="1" lang="en-US" altLang="ja-JP" sz="3600" dirty="0"/>
+          </a:p>
+          <a:p>
+            <a:endParaRPr lang="en-US" altLang="ja-JP" sz="3600" dirty="0" smtClean="0"/>
+          </a:p>
+          <a:p>
+            <a:r>
+              <a:rPr kumimoji="1" lang="ja-JP" altLang="en-US" sz="3600" dirty="0" smtClean="0"/>
               <a:t>ジャンル：３</a:t>
             </a:r>
             <a:r>
-              <a:rPr kumimoji="1" lang="en-US" altLang="ja-JP" sz="2000" dirty="0" smtClean="0"/>
+              <a:rPr kumimoji="1" lang="en-US" altLang="ja-JP" sz="3600" dirty="0" smtClean="0"/>
               <a:t>D</a:t>
             </a:r>
             <a:r>
-              <a:rPr kumimoji="1" lang="ja-JP" altLang="en-US" sz="2000" dirty="0" smtClean="0"/>
+              <a:rPr kumimoji="1" lang="ja-JP" altLang="en-US" sz="3600" dirty="0" smtClean="0"/>
               <a:t>アクションゲーム</a:t>
             </a:r>
-            <a:endParaRPr kumimoji="1" lang="en-US" altLang="ja-JP" sz="2000" dirty="0" smtClean="0"/>
-          </a:p>
-          <a:p>
-            <a:endParaRPr lang="en-US" altLang="ja-JP" sz="2000" dirty="0"/>
-          </a:p>
-          <a:p>
-            <a:endParaRPr lang="en-US" altLang="ja-JP" sz="2000" dirty="0"/>
-          </a:p>
-          <a:p>
-            <a:r>
-              <a:rPr lang="ja-JP" altLang="en-US" sz="2000" dirty="0" smtClean="0"/>
+            <a:endParaRPr kumimoji="1" lang="en-US" altLang="ja-JP" sz="3600" dirty="0" smtClean="0"/>
+          </a:p>
+          <a:p>
+            <a:endParaRPr lang="en-US" altLang="ja-JP" sz="3600" dirty="0"/>
+          </a:p>
+          <a:p>
+            <a:endParaRPr lang="en-US" altLang="ja-JP" sz="3600" dirty="0"/>
+          </a:p>
+          <a:p>
+            <a:r>
+              <a:rPr lang="ja-JP" altLang="en-US" sz="3600" dirty="0" smtClean="0"/>
               <a:t>内容</a:t>
             </a:r>
             <a:r>
-              <a:rPr lang="ja-JP" altLang="en-US" sz="2000" dirty="0"/>
-              <a:t>：</a:t>
-            </a:r>
-            <a:endParaRPr kumimoji="1" lang="en-US" altLang="ja-JP" sz="2000" dirty="0" smtClean="0"/>
+              <a:rPr lang="ja-JP" altLang="en-US" sz="3600" dirty="0" smtClean="0"/>
+              <a:t>：プレイするたびに変化する</a:t>
+            </a:r>
+            <a:endParaRPr lang="en-US" altLang="ja-JP" sz="3600" dirty="0" smtClean="0"/>
+          </a:p>
+          <a:p>
+            <a:r>
+              <a:rPr lang="ja-JP" altLang="en-US" sz="3600" dirty="0"/>
+              <a:t>　</a:t>
+            </a:r>
+            <a:r>
+              <a:rPr lang="ja-JP" altLang="en-US" sz="3600" dirty="0" smtClean="0"/>
+              <a:t>　　</a:t>
+            </a:r>
+            <a:r>
+              <a:rPr lang="ja-JP" altLang="en-US" sz="3600" dirty="0" smtClean="0"/>
+              <a:t>武器と能力を駆使してゴールを目指す</a:t>
+            </a:r>
+            <a:endParaRPr lang="en-US" altLang="ja-JP" sz="3600" dirty="0" smtClean="0"/>
           </a:p>
         </p:txBody>
       </p:sp>
@@ -3361,6 +3384,1604 @@
     <p:extLst>
       <p:ext uri="{BB962C8B-B14F-4D97-AF65-F5344CB8AC3E}">
         <p14:creationId xmlns:p14="http://schemas.microsoft.com/office/powerpoint/2010/main" val="1043411091"/>
+      </p:ext>
+    </p:extLst>
+  </p:cSld>
+  <p:clrMapOvr>
+    <a:masterClrMapping/>
+  </p:clrMapOvr>
+</p:sld>
+</file>
+
+<file path=ppt/slides/slide2.xml><?xml version="1.0" encoding="utf-8"?>
+<p:sld xmlns:a="http://schemas.openxmlformats.org/drawingml/2006/main" xmlns:r="http://schemas.openxmlformats.org/officeDocument/2006/relationships" xmlns:p="http://schemas.openxmlformats.org/presentationml/2006/main">
+  <p:cSld>
+    <p:spTree>
+      <p:nvGrpSpPr>
+        <p:cNvPr id="1" name=""/>
+        <p:cNvGrpSpPr/>
+        <p:nvPr/>
+      </p:nvGrpSpPr>
+      <p:grpSpPr>
+        <a:xfrm>
+          <a:off x="0" y="0"/>
+          <a:ext cx="0" cy="0"/>
+          <a:chOff x="0" y="0"/>
+          <a:chExt cx="0" cy="0"/>
+        </a:xfrm>
+      </p:grpSpPr>
+      <p:sp>
+        <p:nvSpPr>
+          <p:cNvPr id="2" name="テキスト ボックス 1"/>
+          <p:cNvSpPr txBox="1"/>
+          <p:nvPr/>
+        </p:nvSpPr>
+        <p:spPr>
+          <a:xfrm>
+            <a:off x="272715" y="240632"/>
+            <a:ext cx="2967790" cy="646331"/>
+          </a:xfrm>
+          <a:prstGeom prst="rect">
+            <a:avLst/>
+          </a:prstGeom>
+          <a:noFill/>
+        </p:spPr>
+        <p:txBody>
+          <a:bodyPr wrap="square" rtlCol="0">
+            <a:spAutoFit/>
+          </a:bodyPr>
+          <a:lstStyle/>
+          <a:p>
+            <a:r>
+              <a:rPr kumimoji="1" lang="ja-JP" altLang="en-US" sz="3600" b="1" u="sng" dirty="0" smtClean="0"/>
+              <a:t>ゲームの特徴</a:t>
+            </a:r>
+            <a:endParaRPr kumimoji="1" lang="ja-JP" altLang="en-US" sz="3600" b="1" u="sng" dirty="0"/>
+          </a:p>
+        </p:txBody>
+      </p:sp>
+      <p:sp>
+        <p:nvSpPr>
+          <p:cNvPr id="3" name="テキスト ボックス 2"/>
+          <p:cNvSpPr txBox="1"/>
+          <p:nvPr/>
+        </p:nvSpPr>
+        <p:spPr>
+          <a:xfrm>
+            <a:off x="0" y="1347538"/>
+            <a:ext cx="12159917" cy="4524315"/>
+          </a:xfrm>
+          <a:prstGeom prst="rect">
+            <a:avLst/>
+          </a:prstGeom>
+          <a:noFill/>
+        </p:spPr>
+        <p:txBody>
+          <a:bodyPr wrap="square" rtlCol="0">
+            <a:spAutoFit/>
+          </a:bodyPr>
+          <a:lstStyle/>
+          <a:p>
+            <a:r>
+              <a:rPr lang="ja-JP" altLang="en-US" sz="3200" dirty="0" smtClean="0"/>
+              <a:t>・各武器ごとに、攻撃力、クールタイム、消費スタミナが</a:t>
+            </a:r>
+            <a:endParaRPr lang="en-US" altLang="ja-JP" sz="3200" dirty="0" smtClean="0"/>
+          </a:p>
+          <a:p>
+            <a:r>
+              <a:rPr lang="ja-JP" altLang="en-US" sz="3200" dirty="0"/>
+              <a:t>　</a:t>
+            </a:r>
+            <a:r>
+              <a:rPr lang="ja-JP" altLang="en-US" sz="3200" dirty="0" smtClean="0"/>
+              <a:t>設定されている</a:t>
+            </a:r>
+            <a:endParaRPr lang="en-US" altLang="ja-JP" sz="3200" dirty="0" smtClean="0"/>
+          </a:p>
+          <a:p>
+            <a:endParaRPr lang="en-US" altLang="ja-JP" sz="3200" dirty="0"/>
+          </a:p>
+          <a:p>
+            <a:r>
+              <a:rPr lang="ja-JP" altLang="en-US" sz="3200" dirty="0"/>
+              <a:t>・攻撃するたびにスタミナが減少し</a:t>
+            </a:r>
+            <a:r>
+              <a:rPr lang="ja-JP" altLang="en-US" sz="3200" dirty="0" smtClean="0"/>
+              <a:t>、</a:t>
+            </a:r>
+            <a:endParaRPr lang="en-US" altLang="ja-JP" sz="3200" dirty="0"/>
+          </a:p>
+          <a:p>
+            <a:r>
+              <a:rPr lang="ja-JP" altLang="en-US" sz="3200" dirty="0"/>
+              <a:t>　スタミナが無くなると一定時間</a:t>
+            </a:r>
+            <a:r>
+              <a:rPr lang="en-US" altLang="ja-JP" sz="3200" dirty="0"/>
+              <a:t>『</a:t>
+            </a:r>
+            <a:r>
+              <a:rPr lang="en-US" altLang="ja-JP" sz="3200" dirty="0">
+                <a:solidFill>
+                  <a:srgbClr val="FF0000"/>
+                </a:solidFill>
+              </a:rPr>
+              <a:t>※</a:t>
+            </a:r>
+            <a:r>
+              <a:rPr lang="ja-JP" altLang="en-US" sz="3200" dirty="0">
+                <a:solidFill>
+                  <a:srgbClr val="FF0000"/>
+                </a:solidFill>
+              </a:rPr>
+              <a:t>疲労状態</a:t>
+            </a:r>
+            <a:r>
+              <a:rPr lang="en-US" altLang="ja-JP" sz="3200" dirty="0"/>
+              <a:t>』</a:t>
+            </a:r>
+            <a:r>
+              <a:rPr lang="ja-JP" altLang="en-US" sz="3200" dirty="0"/>
+              <a:t>になる</a:t>
+            </a:r>
+            <a:r>
+              <a:rPr lang="ja-JP" altLang="en-US" sz="3200" dirty="0" smtClean="0"/>
+              <a:t>。</a:t>
+            </a:r>
+            <a:endParaRPr lang="en-US" altLang="ja-JP" sz="3200" dirty="0" smtClean="0"/>
+          </a:p>
+          <a:p>
+            <a:r>
+              <a:rPr lang="ja-JP" altLang="en-US" sz="3200" dirty="0" smtClean="0">
+                <a:solidFill>
+                  <a:srgbClr val="FF0000"/>
+                </a:solidFill>
+              </a:rPr>
+              <a:t>　</a:t>
+            </a:r>
+            <a:r>
+              <a:rPr lang="en-US" altLang="ja-JP" sz="3200" u="sng" dirty="0" smtClean="0">
+                <a:solidFill>
+                  <a:srgbClr val="FF0000"/>
+                </a:solidFill>
+              </a:rPr>
+              <a:t>※</a:t>
+            </a:r>
+            <a:r>
+              <a:rPr lang="ja-JP" altLang="en-US" sz="3200" u="sng" dirty="0">
+                <a:solidFill>
+                  <a:srgbClr val="FF0000"/>
+                </a:solidFill>
+              </a:rPr>
+              <a:t>攻撃不可</a:t>
+            </a:r>
+            <a:endParaRPr lang="en-US" altLang="ja-JP" sz="3200" u="sng" dirty="0">
+              <a:solidFill>
+                <a:srgbClr val="FF0000"/>
+              </a:solidFill>
+            </a:endParaRPr>
+          </a:p>
+          <a:p>
+            <a:endParaRPr lang="en-US" altLang="ja-JP" sz="3200" dirty="0" smtClean="0"/>
+          </a:p>
+          <a:p>
+            <a:r>
+              <a:rPr lang="ja-JP" altLang="en-US" sz="3200" dirty="0" smtClean="0"/>
+              <a:t>・ゲーム開始時にバフ（デバフ）がランダムで付与される。</a:t>
+            </a:r>
+            <a:endParaRPr lang="en-US" altLang="ja-JP" sz="3200" dirty="0"/>
+          </a:p>
+          <a:p>
+            <a:r>
+              <a:rPr lang="ja-JP" altLang="en-US" sz="3200" dirty="0" smtClean="0"/>
+              <a:t>（例）攻撃力アップ・被ダメージアップ・消費スタミナ減少など</a:t>
+            </a:r>
+            <a:endParaRPr lang="en-US" altLang="ja-JP" sz="3200" dirty="0"/>
+          </a:p>
+        </p:txBody>
+      </p:sp>
+    </p:spTree>
+    <p:extLst>
+      <p:ext uri="{BB962C8B-B14F-4D97-AF65-F5344CB8AC3E}">
+        <p14:creationId xmlns:p14="http://schemas.microsoft.com/office/powerpoint/2010/main" val="1636664561"/>
+      </p:ext>
+    </p:extLst>
+  </p:cSld>
+  <p:clrMapOvr>
+    <a:masterClrMapping/>
+  </p:clrMapOvr>
+</p:sld>
+</file>
+
+<file path=ppt/slides/slide3.xml><?xml version="1.0" encoding="utf-8"?>
+<p:sld xmlns:a="http://schemas.openxmlformats.org/drawingml/2006/main" xmlns:r="http://schemas.openxmlformats.org/officeDocument/2006/relationships" xmlns:p="http://schemas.openxmlformats.org/presentationml/2006/main">
+  <p:cSld>
+    <p:spTree>
+      <p:nvGrpSpPr>
+        <p:cNvPr id="1" name=""/>
+        <p:cNvGrpSpPr/>
+        <p:nvPr/>
+      </p:nvGrpSpPr>
+      <p:grpSpPr>
+        <a:xfrm>
+          <a:off x="0" y="0"/>
+          <a:ext cx="0" cy="0"/>
+          <a:chOff x="0" y="0"/>
+          <a:chExt cx="0" cy="0"/>
+        </a:xfrm>
+      </p:grpSpPr>
+      <p:sp>
+        <p:nvSpPr>
+          <p:cNvPr id="3" name="テキスト ボックス 2"/>
+          <p:cNvSpPr txBox="1"/>
+          <p:nvPr/>
+        </p:nvSpPr>
+        <p:spPr>
+          <a:xfrm>
+            <a:off x="304800" y="288758"/>
+            <a:ext cx="3657600" cy="646331"/>
+          </a:xfrm>
+          <a:prstGeom prst="rect">
+            <a:avLst/>
+          </a:prstGeom>
+          <a:noFill/>
+        </p:spPr>
+        <p:txBody>
+          <a:bodyPr wrap="square" rtlCol="0">
+            <a:spAutoFit/>
+          </a:bodyPr>
+          <a:lstStyle/>
+          <a:p>
+            <a:r>
+              <a:rPr kumimoji="1" lang="ja-JP" altLang="en-US" sz="3600" b="1" u="sng" dirty="0" smtClean="0"/>
+              <a:t>ゲームイメージ</a:t>
+            </a:r>
+            <a:endParaRPr kumimoji="1" lang="ja-JP" altLang="en-US" sz="3600" b="1" u="sng" dirty="0"/>
+          </a:p>
+        </p:txBody>
+      </p:sp>
+      <p:sp>
+        <p:nvSpPr>
+          <p:cNvPr id="5" name="角丸四角形 4"/>
+          <p:cNvSpPr/>
+          <p:nvPr/>
+        </p:nvSpPr>
+        <p:spPr>
+          <a:xfrm>
+            <a:off x="1427747" y="935089"/>
+            <a:ext cx="9512968" cy="5702969"/>
+          </a:xfrm>
+          <a:prstGeom prst="roundRect">
+            <a:avLst/>
+          </a:prstGeom>
+        </p:spPr>
+        <p:style>
+          <a:lnRef idx="2">
+            <a:schemeClr val="dk1"/>
+          </a:lnRef>
+          <a:fillRef idx="1">
+            <a:schemeClr val="lt1"/>
+          </a:fillRef>
+          <a:effectRef idx="0">
+            <a:schemeClr val="dk1"/>
+          </a:effectRef>
+          <a:fontRef idx="minor">
+            <a:schemeClr val="dk1"/>
+          </a:fontRef>
+        </p:style>
+        <p:txBody>
+          <a:bodyPr rtlCol="0" anchor="ctr"/>
+          <a:lstStyle/>
+          <a:p>
+            <a:pPr algn="ctr"/>
+            <a:endParaRPr kumimoji="1" lang="ja-JP" altLang="en-US"/>
+          </a:p>
+        </p:txBody>
+      </p:sp>
+      <p:grpSp>
+        <p:nvGrpSpPr>
+          <p:cNvPr id="8" name="グループ化 7"/>
+          <p:cNvGrpSpPr/>
+          <p:nvPr/>
+        </p:nvGrpSpPr>
+        <p:grpSpPr>
+          <a:xfrm>
+            <a:off x="5522493" y="1263858"/>
+            <a:ext cx="2003511" cy="770021"/>
+            <a:chOff x="2544679" y="1353823"/>
+            <a:chExt cx="2003511" cy="770021"/>
+          </a:xfrm>
+        </p:grpSpPr>
+        <p:sp>
+          <p:nvSpPr>
+            <p:cNvPr id="6" name="正方形/長方形 5"/>
+            <p:cNvSpPr/>
+            <p:nvPr/>
+          </p:nvSpPr>
+          <p:spPr>
+            <a:xfrm>
+              <a:off x="2544679" y="1353823"/>
+              <a:ext cx="786063" cy="770021"/>
+            </a:xfrm>
+            <a:prstGeom prst="rect">
+              <a:avLst/>
+            </a:prstGeom>
+            <a:solidFill>
+              <a:schemeClr val="bg2"/>
+            </a:solidFill>
+            <a:ln>
+              <a:solidFill>
+                <a:srgbClr val="FF0000"/>
+              </a:solidFill>
+            </a:ln>
+          </p:spPr>
+          <p:style>
+            <a:lnRef idx="2">
+              <a:schemeClr val="accent1">
+                <a:shade val="50000"/>
+              </a:schemeClr>
+            </a:lnRef>
+            <a:fillRef idx="1">
+              <a:schemeClr val="accent1"/>
+            </a:fillRef>
+            <a:effectRef idx="0">
+              <a:schemeClr val="accent1"/>
+            </a:effectRef>
+            <a:fontRef idx="minor">
+              <a:schemeClr val="lt1"/>
+            </a:fontRef>
+          </p:style>
+          <p:txBody>
+            <a:bodyPr rtlCol="0" anchor="ctr"/>
+            <a:lstStyle/>
+            <a:p>
+              <a:pPr algn="ctr"/>
+              <a:endParaRPr kumimoji="1" lang="ja-JP" altLang="en-US"/>
+            </a:p>
+          </p:txBody>
+        </p:sp>
+        <p:sp>
+          <p:nvSpPr>
+            <p:cNvPr id="7" name="正方形/長方形 6"/>
+            <p:cNvSpPr/>
+            <p:nvPr/>
+          </p:nvSpPr>
+          <p:spPr>
+            <a:xfrm>
+              <a:off x="3762127" y="1353823"/>
+              <a:ext cx="786063" cy="770021"/>
+            </a:xfrm>
+            <a:prstGeom prst="rect">
+              <a:avLst/>
+            </a:prstGeom>
+            <a:solidFill>
+              <a:schemeClr val="bg2"/>
+            </a:solidFill>
+            <a:ln>
+              <a:solidFill>
+                <a:srgbClr val="00B0F0"/>
+              </a:solidFill>
+            </a:ln>
+          </p:spPr>
+          <p:style>
+            <a:lnRef idx="2">
+              <a:schemeClr val="accent1">
+                <a:shade val="50000"/>
+              </a:schemeClr>
+            </a:lnRef>
+            <a:fillRef idx="1">
+              <a:schemeClr val="accent1"/>
+            </a:fillRef>
+            <a:effectRef idx="0">
+              <a:schemeClr val="accent1"/>
+            </a:effectRef>
+            <a:fontRef idx="minor">
+              <a:schemeClr val="lt1"/>
+            </a:fontRef>
+          </p:style>
+          <p:txBody>
+            <a:bodyPr rtlCol="0" anchor="ctr"/>
+            <a:lstStyle/>
+            <a:p>
+              <a:pPr algn="ctr"/>
+              <a:endParaRPr kumimoji="1" lang="ja-JP" altLang="en-US"/>
+            </a:p>
+          </p:txBody>
+        </p:sp>
+      </p:grpSp>
+      <p:grpSp>
+        <p:nvGrpSpPr>
+          <p:cNvPr id="27" name="グループ化 26"/>
+          <p:cNvGrpSpPr/>
+          <p:nvPr/>
+        </p:nvGrpSpPr>
+        <p:grpSpPr>
+          <a:xfrm>
+            <a:off x="4890596" y="2347788"/>
+            <a:ext cx="1892967" cy="1267326"/>
+            <a:chOff x="10170695" y="114617"/>
+            <a:chExt cx="1892967" cy="1267326"/>
+          </a:xfrm>
+        </p:grpSpPr>
+        <p:sp>
+          <p:nvSpPr>
+            <p:cNvPr id="9" name="角丸四角形吹き出し 8"/>
+            <p:cNvSpPr/>
+            <p:nvPr/>
+          </p:nvSpPr>
+          <p:spPr>
+            <a:xfrm>
+              <a:off x="10170695" y="114617"/>
+              <a:ext cx="1892967" cy="1267326"/>
+            </a:xfrm>
+            <a:prstGeom prst="wedgeRoundRectCallout">
+              <a:avLst>
+                <a:gd name="adj1" fmla="val 7133"/>
+                <a:gd name="adj2" fmla="val -70412"/>
+                <a:gd name="adj3" fmla="val 16667"/>
+              </a:avLst>
+            </a:prstGeom>
+            <a:solidFill>
+              <a:schemeClr val="bg1"/>
+            </a:solidFill>
+            <a:ln>
+              <a:solidFill>
+                <a:srgbClr val="FF0000"/>
+              </a:solidFill>
+            </a:ln>
+          </p:spPr>
+          <p:style>
+            <a:lnRef idx="2">
+              <a:schemeClr val="accent1">
+                <a:shade val="50000"/>
+              </a:schemeClr>
+            </a:lnRef>
+            <a:fillRef idx="1">
+              <a:schemeClr val="accent1"/>
+            </a:fillRef>
+            <a:effectRef idx="0">
+              <a:schemeClr val="accent1"/>
+            </a:effectRef>
+            <a:fontRef idx="minor">
+              <a:schemeClr val="lt1"/>
+            </a:fontRef>
+          </p:style>
+          <p:txBody>
+            <a:bodyPr rtlCol="0" anchor="ctr"/>
+            <a:lstStyle/>
+            <a:p>
+              <a:pPr algn="ctr"/>
+              <a:endParaRPr kumimoji="1" lang="ja-JP" altLang="en-US"/>
+            </a:p>
+          </p:txBody>
+        </p:sp>
+        <p:sp>
+          <p:nvSpPr>
+            <p:cNvPr id="11" name="テキスト ボックス 10"/>
+            <p:cNvSpPr txBox="1"/>
+            <p:nvPr/>
+          </p:nvSpPr>
+          <p:spPr>
+            <a:xfrm>
+              <a:off x="10403301" y="288758"/>
+              <a:ext cx="1427752" cy="1015663"/>
+            </a:xfrm>
+            <a:prstGeom prst="rect">
+              <a:avLst/>
+            </a:prstGeom>
+            <a:noFill/>
+          </p:spPr>
+          <p:txBody>
+            <a:bodyPr wrap="square" rtlCol="0">
+              <a:spAutoFit/>
+            </a:bodyPr>
+            <a:lstStyle/>
+            <a:p>
+              <a:r>
+                <a:rPr kumimoji="1" lang="ja-JP" altLang="en-US" sz="2000" dirty="0" smtClean="0"/>
+                <a:t>使用武器アイコンを表示</a:t>
+              </a:r>
+              <a:endParaRPr kumimoji="1" lang="ja-JP" altLang="en-US" sz="2000" dirty="0"/>
+            </a:p>
+          </p:txBody>
+        </p:sp>
+      </p:grpSp>
+      <p:grpSp>
+        <p:nvGrpSpPr>
+          <p:cNvPr id="24" name="グループ化 23"/>
+          <p:cNvGrpSpPr/>
+          <p:nvPr/>
+        </p:nvGrpSpPr>
+        <p:grpSpPr>
+          <a:xfrm>
+            <a:off x="7132972" y="2347788"/>
+            <a:ext cx="1892967" cy="1267326"/>
+            <a:chOff x="10170694" y="3716708"/>
+            <a:chExt cx="1892967" cy="1267326"/>
+          </a:xfrm>
+        </p:grpSpPr>
+        <p:sp>
+          <p:nvSpPr>
+            <p:cNvPr id="10" name="角丸四角形吹き出し 9"/>
+            <p:cNvSpPr/>
+            <p:nvPr/>
+          </p:nvSpPr>
+          <p:spPr>
+            <a:xfrm>
+              <a:off x="10170694" y="3716708"/>
+              <a:ext cx="1892967" cy="1267326"/>
+            </a:xfrm>
+            <a:prstGeom prst="wedgeRoundRectCallout">
+              <a:avLst>
+                <a:gd name="adj1" fmla="val -31003"/>
+                <a:gd name="adj2" fmla="val -67881"/>
+                <a:gd name="adj3" fmla="val 16667"/>
+              </a:avLst>
+            </a:prstGeom>
+            <a:solidFill>
+              <a:schemeClr val="bg1"/>
+            </a:solidFill>
+            <a:ln>
+              <a:solidFill>
+                <a:srgbClr val="00B0F0"/>
+              </a:solidFill>
+            </a:ln>
+          </p:spPr>
+          <p:style>
+            <a:lnRef idx="2">
+              <a:schemeClr val="accent1">
+                <a:shade val="50000"/>
+              </a:schemeClr>
+            </a:lnRef>
+            <a:fillRef idx="1">
+              <a:schemeClr val="accent1"/>
+            </a:fillRef>
+            <a:effectRef idx="0">
+              <a:schemeClr val="accent1"/>
+            </a:effectRef>
+            <a:fontRef idx="minor">
+              <a:schemeClr val="lt1"/>
+            </a:fontRef>
+          </p:style>
+          <p:txBody>
+            <a:bodyPr rtlCol="0" anchor="ctr"/>
+            <a:lstStyle/>
+            <a:p>
+              <a:pPr algn="ctr"/>
+              <a:endParaRPr kumimoji="1" lang="ja-JP" altLang="en-US" dirty="0"/>
+            </a:p>
+          </p:txBody>
+        </p:sp>
+        <p:sp>
+          <p:nvSpPr>
+            <p:cNvPr id="12" name="テキスト ボックス 11"/>
+            <p:cNvSpPr txBox="1"/>
+            <p:nvPr/>
+          </p:nvSpPr>
+          <p:spPr>
+            <a:xfrm>
+              <a:off x="10421351" y="3842539"/>
+              <a:ext cx="1391652" cy="1015663"/>
+            </a:xfrm>
+            <a:prstGeom prst="rect">
+              <a:avLst/>
+            </a:prstGeom>
+            <a:noFill/>
+          </p:spPr>
+          <p:txBody>
+            <a:bodyPr wrap="square" rtlCol="0">
+              <a:spAutoFit/>
+            </a:bodyPr>
+            <a:lstStyle/>
+            <a:p>
+              <a:r>
+                <a:rPr kumimoji="1" lang="ja-JP" altLang="en-US" sz="2000" dirty="0" smtClean="0"/>
+                <a:t>特殊効果アイコンを表示</a:t>
+              </a:r>
+              <a:endParaRPr kumimoji="1" lang="ja-JP" altLang="en-US" sz="2000" dirty="0"/>
+            </a:p>
+          </p:txBody>
+        </p:sp>
+      </p:grpSp>
+      <p:grpSp>
+        <p:nvGrpSpPr>
+          <p:cNvPr id="23" name="グループ化 22"/>
+          <p:cNvGrpSpPr/>
+          <p:nvPr/>
+        </p:nvGrpSpPr>
+        <p:grpSpPr>
+          <a:xfrm>
+            <a:off x="5711986" y="4183923"/>
+            <a:ext cx="3062031" cy="2011691"/>
+            <a:chOff x="5718028" y="4184433"/>
+            <a:chExt cx="3062031" cy="2011691"/>
+          </a:xfrm>
+        </p:grpSpPr>
+        <p:pic>
+          <p:nvPicPr>
+            <p:cNvPr id="13" name="図 12"/>
+            <p:cNvPicPr>
+              <a:picLocks noChangeAspect="1"/>
+            </p:cNvPicPr>
+            <p:nvPr/>
+          </p:nvPicPr>
+          <p:blipFill>
+            <a:blip r:embed="rId2" cstate="print">
+              <a:extLst>
+                <a:ext uri="{28A0092B-C50C-407E-A947-70E740481C1C}">
+                  <a14:useLocalDpi xmlns:a14="http://schemas.microsoft.com/office/drawing/2010/main" val="0"/>
+                </a:ext>
+              </a:extLst>
+            </a:blip>
+            <a:stretch>
+              <a:fillRect/>
+            </a:stretch>
+          </p:blipFill>
+          <p:spPr>
+            <a:xfrm>
+              <a:off x="5718028" y="4184433"/>
+              <a:ext cx="932406" cy="1999798"/>
+            </a:xfrm>
+            <a:prstGeom prst="rect">
+              <a:avLst/>
+            </a:prstGeom>
+          </p:spPr>
+        </p:pic>
+        <p:sp>
+          <p:nvSpPr>
+            <p:cNvPr id="14" name="角丸四角形吹き出し 13"/>
+            <p:cNvSpPr/>
+            <p:nvPr/>
+          </p:nvSpPr>
+          <p:spPr>
+            <a:xfrm>
+              <a:off x="6758752" y="4879026"/>
+              <a:ext cx="2021307" cy="1317098"/>
+            </a:xfrm>
+            <a:prstGeom prst="wedgeRoundRectCallout">
+              <a:avLst>
+                <a:gd name="adj1" fmla="val -62547"/>
+                <a:gd name="adj2" fmla="val -58869"/>
+                <a:gd name="adj3" fmla="val 16667"/>
+              </a:avLst>
+            </a:prstGeom>
+            <a:solidFill>
+              <a:schemeClr val="bg1"/>
+            </a:solidFill>
+            <a:ln>
+              <a:solidFill>
+                <a:srgbClr val="7030A0"/>
+              </a:solidFill>
+            </a:ln>
+          </p:spPr>
+          <p:style>
+            <a:lnRef idx="2">
+              <a:schemeClr val="accent1">
+                <a:shade val="50000"/>
+              </a:schemeClr>
+            </a:lnRef>
+            <a:fillRef idx="1">
+              <a:schemeClr val="accent1"/>
+            </a:fillRef>
+            <a:effectRef idx="0">
+              <a:schemeClr val="accent1"/>
+            </a:effectRef>
+            <a:fontRef idx="minor">
+              <a:schemeClr val="lt1"/>
+            </a:fontRef>
+          </p:style>
+          <p:txBody>
+            <a:bodyPr rtlCol="0" anchor="ctr"/>
+            <a:lstStyle/>
+            <a:p>
+              <a:pPr algn="ctr"/>
+              <a:endParaRPr kumimoji="1" lang="ja-JP" altLang="en-US"/>
+            </a:p>
+          </p:txBody>
+        </p:sp>
+        <p:sp>
+          <p:nvSpPr>
+            <p:cNvPr id="15" name="テキスト ボックス 14"/>
+            <p:cNvSpPr txBox="1"/>
+            <p:nvPr/>
+          </p:nvSpPr>
+          <p:spPr>
+            <a:xfrm>
+              <a:off x="6922928" y="5306742"/>
+              <a:ext cx="1831319" cy="461665"/>
+            </a:xfrm>
+            <a:prstGeom prst="rect">
+              <a:avLst/>
+            </a:prstGeom>
+            <a:noFill/>
+          </p:spPr>
+          <p:txBody>
+            <a:bodyPr wrap="square" rtlCol="0">
+              <a:spAutoFit/>
+            </a:bodyPr>
+            <a:lstStyle/>
+            <a:p>
+              <a:r>
+                <a:rPr kumimoji="1" lang="ja-JP" altLang="en-US" sz="2400" dirty="0" smtClean="0"/>
+                <a:t>操作キャラ</a:t>
+              </a:r>
+              <a:endParaRPr kumimoji="1" lang="ja-JP" altLang="en-US" sz="2400" dirty="0"/>
+            </a:p>
+          </p:txBody>
+        </p:sp>
+      </p:grpSp>
+      <p:grpSp>
+        <p:nvGrpSpPr>
+          <p:cNvPr id="21" name="グループ化 20"/>
+          <p:cNvGrpSpPr/>
+          <p:nvPr/>
+        </p:nvGrpSpPr>
+        <p:grpSpPr>
+          <a:xfrm>
+            <a:off x="1973945" y="1196491"/>
+            <a:ext cx="3087339" cy="927211"/>
+            <a:chOff x="7608166" y="5720925"/>
+            <a:chExt cx="3277175" cy="927211"/>
+          </a:xfrm>
+        </p:grpSpPr>
+        <p:sp>
+          <p:nvSpPr>
+            <p:cNvPr id="16" name="角丸四角形 15"/>
+            <p:cNvSpPr/>
+            <p:nvPr/>
+          </p:nvSpPr>
+          <p:spPr>
+            <a:xfrm rot="5400000">
+              <a:off x="9045405" y="4808200"/>
+              <a:ext cx="402697" cy="3277175"/>
+            </a:xfrm>
+            <a:prstGeom prst="roundRect">
+              <a:avLst/>
+            </a:prstGeom>
+            <a:solidFill>
+              <a:schemeClr val="bg2"/>
+            </a:solidFill>
+            <a:ln>
+              <a:solidFill>
+                <a:schemeClr val="accent4"/>
+              </a:solidFill>
+            </a:ln>
+          </p:spPr>
+          <p:style>
+            <a:lnRef idx="2">
+              <a:schemeClr val="accent1">
+                <a:shade val="50000"/>
+              </a:schemeClr>
+            </a:lnRef>
+            <a:fillRef idx="1">
+              <a:schemeClr val="accent1"/>
+            </a:fillRef>
+            <a:effectRef idx="0">
+              <a:schemeClr val="accent1"/>
+            </a:effectRef>
+            <a:fontRef idx="minor">
+              <a:schemeClr val="lt1"/>
+            </a:fontRef>
+          </p:style>
+          <p:txBody>
+            <a:bodyPr rtlCol="0" anchor="ctr"/>
+            <a:lstStyle/>
+            <a:p>
+              <a:pPr algn="ctr"/>
+              <a:endParaRPr kumimoji="1" lang="ja-JP" altLang="en-US"/>
+            </a:p>
+          </p:txBody>
+        </p:sp>
+        <p:sp>
+          <p:nvSpPr>
+            <p:cNvPr id="17" name="角丸四角形 16"/>
+            <p:cNvSpPr/>
+            <p:nvPr/>
+          </p:nvSpPr>
+          <p:spPr>
+            <a:xfrm rot="5400000">
+              <a:off x="9045405" y="4283687"/>
+              <a:ext cx="402697" cy="3277174"/>
+            </a:xfrm>
+            <a:prstGeom prst="roundRect">
+              <a:avLst/>
+            </a:prstGeom>
+            <a:solidFill>
+              <a:schemeClr val="bg2"/>
+            </a:solidFill>
+            <a:ln>
+              <a:solidFill>
+                <a:srgbClr val="00B050"/>
+              </a:solidFill>
+            </a:ln>
+          </p:spPr>
+          <p:style>
+            <a:lnRef idx="2">
+              <a:schemeClr val="accent1">
+                <a:shade val="50000"/>
+              </a:schemeClr>
+            </a:lnRef>
+            <a:fillRef idx="1">
+              <a:schemeClr val="accent1"/>
+            </a:fillRef>
+            <a:effectRef idx="0">
+              <a:schemeClr val="accent1"/>
+            </a:effectRef>
+            <a:fontRef idx="minor">
+              <a:schemeClr val="lt1"/>
+            </a:fontRef>
+          </p:style>
+          <p:txBody>
+            <a:bodyPr rtlCol="0" anchor="ctr"/>
+            <a:lstStyle/>
+            <a:p>
+              <a:pPr algn="ctr"/>
+              <a:endParaRPr kumimoji="1" lang="ja-JP" altLang="en-US"/>
+            </a:p>
+          </p:txBody>
+        </p:sp>
+      </p:grpSp>
+      <p:grpSp>
+        <p:nvGrpSpPr>
+          <p:cNvPr id="22" name="グループ化 21"/>
+          <p:cNvGrpSpPr/>
+          <p:nvPr/>
+        </p:nvGrpSpPr>
+        <p:grpSpPr>
+          <a:xfrm>
+            <a:off x="59169" y="1648868"/>
+            <a:ext cx="2110876" cy="826088"/>
+            <a:chOff x="2749213" y="983578"/>
+            <a:chExt cx="2707610" cy="1454822"/>
+          </a:xfrm>
+        </p:grpSpPr>
+        <p:sp>
+          <p:nvSpPr>
+            <p:cNvPr id="19" name="角丸四角形吹き出し 18"/>
+            <p:cNvSpPr/>
+            <p:nvPr/>
+          </p:nvSpPr>
+          <p:spPr>
+            <a:xfrm>
+              <a:off x="2749213" y="983578"/>
+              <a:ext cx="2223842" cy="1454822"/>
+            </a:xfrm>
+            <a:prstGeom prst="wedgeRoundRectCallout">
+              <a:avLst>
+                <a:gd name="adj1" fmla="val 50051"/>
+                <a:gd name="adj2" fmla="val -89230"/>
+                <a:gd name="adj3" fmla="val 16667"/>
+              </a:avLst>
+            </a:prstGeom>
+            <a:solidFill>
+              <a:schemeClr val="bg1"/>
+            </a:solidFill>
+            <a:ln>
+              <a:solidFill>
+                <a:srgbClr val="00B050"/>
+              </a:solidFill>
+            </a:ln>
+          </p:spPr>
+          <p:style>
+            <a:lnRef idx="2">
+              <a:schemeClr val="accent1">
+                <a:shade val="50000"/>
+              </a:schemeClr>
+            </a:lnRef>
+            <a:fillRef idx="1">
+              <a:schemeClr val="accent1"/>
+            </a:fillRef>
+            <a:effectRef idx="0">
+              <a:schemeClr val="accent1"/>
+            </a:effectRef>
+            <a:fontRef idx="minor">
+              <a:schemeClr val="lt1"/>
+            </a:fontRef>
+          </p:style>
+          <p:txBody>
+            <a:bodyPr rtlCol="0" anchor="ctr"/>
+            <a:lstStyle/>
+            <a:p>
+              <a:pPr algn="ctr"/>
+              <a:endParaRPr kumimoji="1" lang="ja-JP" altLang="en-US"/>
+            </a:p>
+          </p:txBody>
+        </p:sp>
+        <p:sp>
+          <p:nvSpPr>
+            <p:cNvPr id="20" name="テキスト ボックス 19"/>
+            <p:cNvSpPr txBox="1"/>
+            <p:nvPr/>
+          </p:nvSpPr>
+          <p:spPr>
+            <a:xfrm>
+              <a:off x="3018419" y="1473523"/>
+              <a:ext cx="2438404" cy="650430"/>
+            </a:xfrm>
+            <a:prstGeom prst="rect">
+              <a:avLst/>
+            </a:prstGeom>
+            <a:noFill/>
+          </p:spPr>
+          <p:txBody>
+            <a:bodyPr wrap="square" rtlCol="0">
+              <a:spAutoFit/>
+            </a:bodyPr>
+            <a:lstStyle/>
+            <a:p>
+              <a:r>
+                <a:rPr lang="ja-JP" altLang="en-US" dirty="0" smtClean="0"/>
+                <a:t>体力ゲージ</a:t>
+              </a:r>
+              <a:endParaRPr kumimoji="1" lang="ja-JP" altLang="en-US" dirty="0"/>
+            </a:p>
+          </p:txBody>
+        </p:sp>
+      </p:grpSp>
+      <p:grpSp>
+        <p:nvGrpSpPr>
+          <p:cNvPr id="28" name="グループ化 27"/>
+          <p:cNvGrpSpPr/>
+          <p:nvPr/>
+        </p:nvGrpSpPr>
+        <p:grpSpPr>
+          <a:xfrm>
+            <a:off x="2575299" y="2469877"/>
+            <a:ext cx="1884630" cy="1023146"/>
+            <a:chOff x="10331112" y="5614912"/>
+            <a:chExt cx="1884630" cy="1023146"/>
+          </a:xfrm>
+        </p:grpSpPr>
+        <p:sp>
+          <p:nvSpPr>
+            <p:cNvPr id="25" name="角丸四角形吹き出し 24"/>
+            <p:cNvSpPr/>
+            <p:nvPr/>
+          </p:nvSpPr>
+          <p:spPr>
+            <a:xfrm>
+              <a:off x="10348646" y="5614912"/>
+              <a:ext cx="1696963" cy="1023146"/>
+            </a:xfrm>
+            <a:prstGeom prst="wedgeRoundRectCallout">
+              <a:avLst>
+                <a:gd name="adj1" fmla="val 3957"/>
+                <a:gd name="adj2" fmla="val -74788"/>
+                <a:gd name="adj3" fmla="val 16667"/>
+              </a:avLst>
+            </a:prstGeom>
+            <a:solidFill>
+              <a:schemeClr val="bg1"/>
+            </a:solidFill>
+            <a:ln>
+              <a:solidFill>
+                <a:schemeClr val="accent4"/>
+              </a:solidFill>
+            </a:ln>
+          </p:spPr>
+          <p:style>
+            <a:lnRef idx="2">
+              <a:schemeClr val="accent1">
+                <a:shade val="50000"/>
+              </a:schemeClr>
+            </a:lnRef>
+            <a:fillRef idx="1">
+              <a:schemeClr val="accent1"/>
+            </a:fillRef>
+            <a:effectRef idx="0">
+              <a:schemeClr val="accent1"/>
+            </a:effectRef>
+            <a:fontRef idx="minor">
+              <a:schemeClr val="lt1"/>
+            </a:fontRef>
+          </p:style>
+          <p:txBody>
+            <a:bodyPr rtlCol="0" anchor="ctr"/>
+            <a:lstStyle/>
+            <a:p>
+              <a:pPr algn="ctr"/>
+              <a:endParaRPr kumimoji="1" lang="ja-JP" altLang="en-US"/>
+            </a:p>
+          </p:txBody>
+        </p:sp>
+        <p:sp>
+          <p:nvSpPr>
+            <p:cNvPr id="26" name="テキスト ボックス 25"/>
+            <p:cNvSpPr txBox="1"/>
+            <p:nvPr/>
+          </p:nvSpPr>
+          <p:spPr>
+            <a:xfrm>
+              <a:off x="10331112" y="5941819"/>
+              <a:ext cx="1884630" cy="369332"/>
+            </a:xfrm>
+            <a:prstGeom prst="rect">
+              <a:avLst/>
+            </a:prstGeom>
+            <a:noFill/>
+          </p:spPr>
+          <p:txBody>
+            <a:bodyPr wrap="square" rtlCol="0">
+              <a:spAutoFit/>
+            </a:bodyPr>
+            <a:lstStyle/>
+            <a:p>
+              <a:r>
+                <a:rPr kumimoji="1" lang="ja-JP" altLang="en-US" dirty="0" smtClean="0"/>
+                <a:t>スタミナゲージ</a:t>
+              </a:r>
+              <a:endParaRPr kumimoji="1" lang="ja-JP" altLang="en-US" dirty="0"/>
+            </a:p>
+          </p:txBody>
+        </p:sp>
+      </p:grpSp>
+    </p:spTree>
+    <p:extLst>
+      <p:ext uri="{BB962C8B-B14F-4D97-AF65-F5344CB8AC3E}">
+        <p14:creationId xmlns:p14="http://schemas.microsoft.com/office/powerpoint/2010/main" val="122726835"/>
+      </p:ext>
+    </p:extLst>
+  </p:cSld>
+  <p:clrMapOvr>
+    <a:masterClrMapping/>
+  </p:clrMapOvr>
+</p:sld>
+</file>
+
+<file path=ppt/slides/slide4.xml><?xml version="1.0" encoding="utf-8"?>
+<p:sld xmlns:a="http://schemas.openxmlformats.org/drawingml/2006/main" xmlns:r="http://schemas.openxmlformats.org/officeDocument/2006/relationships" xmlns:p="http://schemas.openxmlformats.org/presentationml/2006/main">
+  <p:cSld>
+    <p:spTree>
+      <p:nvGrpSpPr>
+        <p:cNvPr id="1" name=""/>
+        <p:cNvGrpSpPr/>
+        <p:nvPr/>
+      </p:nvGrpSpPr>
+      <p:grpSpPr>
+        <a:xfrm>
+          <a:off x="0" y="0"/>
+          <a:ext cx="0" cy="0"/>
+          <a:chOff x="0" y="0"/>
+          <a:chExt cx="0" cy="0"/>
+        </a:xfrm>
+      </p:grpSpPr>
+      <p:sp>
+        <p:nvSpPr>
+          <p:cNvPr id="3" name="テキスト ボックス 2"/>
+          <p:cNvSpPr txBox="1"/>
+          <p:nvPr/>
+        </p:nvSpPr>
+        <p:spPr>
+          <a:xfrm>
+            <a:off x="336884" y="320842"/>
+            <a:ext cx="3400927" cy="646331"/>
+          </a:xfrm>
+          <a:prstGeom prst="rect">
+            <a:avLst/>
+          </a:prstGeom>
+          <a:noFill/>
+        </p:spPr>
+        <p:txBody>
+          <a:bodyPr wrap="square" rtlCol="0">
+            <a:spAutoFit/>
+          </a:bodyPr>
+          <a:lstStyle/>
+          <a:p>
+            <a:r>
+              <a:rPr kumimoji="1" lang="ja-JP" altLang="en-US" sz="3600" b="1" u="sng" dirty="0" smtClean="0"/>
+              <a:t>ゲームの流れ</a:t>
+            </a:r>
+            <a:endParaRPr kumimoji="1" lang="ja-JP" altLang="en-US" sz="3600" b="1" u="sng" dirty="0"/>
+          </a:p>
+        </p:txBody>
+      </p:sp>
+      <p:sp>
+        <p:nvSpPr>
+          <p:cNvPr id="5" name="右矢印 4"/>
+          <p:cNvSpPr/>
+          <p:nvPr/>
+        </p:nvSpPr>
+        <p:spPr>
+          <a:xfrm>
+            <a:off x="4114802" y="1764630"/>
+            <a:ext cx="1491915" cy="818148"/>
+          </a:xfrm>
+          <a:prstGeom prst="rightArrow">
+            <a:avLst/>
+          </a:prstGeom>
+          <a:solidFill>
+            <a:schemeClr val="tx1"/>
+          </a:solidFill>
+        </p:spPr>
+        <p:style>
+          <a:lnRef idx="2">
+            <a:schemeClr val="accent1">
+              <a:shade val="50000"/>
+            </a:schemeClr>
+          </a:lnRef>
+          <a:fillRef idx="1">
+            <a:schemeClr val="accent1"/>
+          </a:fillRef>
+          <a:effectRef idx="0">
+            <a:schemeClr val="accent1"/>
+          </a:effectRef>
+          <a:fontRef idx="minor">
+            <a:schemeClr val="lt1"/>
+          </a:fontRef>
+        </p:style>
+        <p:txBody>
+          <a:bodyPr rtlCol="0" anchor="ctr"/>
+          <a:lstStyle/>
+          <a:p>
+            <a:pPr algn="ctr"/>
+            <a:endParaRPr kumimoji="1" lang="ja-JP" altLang="en-US"/>
+          </a:p>
+        </p:txBody>
+      </p:sp>
+      <p:grpSp>
+        <p:nvGrpSpPr>
+          <p:cNvPr id="7" name="グループ化 6"/>
+          <p:cNvGrpSpPr/>
+          <p:nvPr/>
+        </p:nvGrpSpPr>
+        <p:grpSpPr>
+          <a:xfrm>
+            <a:off x="850231" y="1459831"/>
+            <a:ext cx="2887580" cy="1427747"/>
+            <a:chOff x="1042737" y="1459832"/>
+            <a:chExt cx="2374231" cy="1427747"/>
+          </a:xfrm>
+        </p:grpSpPr>
+        <p:sp>
+          <p:nvSpPr>
+            <p:cNvPr id="4" name="正方形/長方形 3"/>
+            <p:cNvSpPr/>
+            <p:nvPr/>
+          </p:nvSpPr>
+          <p:spPr>
+            <a:xfrm>
+              <a:off x="1042737" y="1459832"/>
+              <a:ext cx="2374231" cy="1427747"/>
+            </a:xfrm>
+            <a:prstGeom prst="rect">
+              <a:avLst/>
+            </a:prstGeom>
+            <a:solidFill>
+              <a:schemeClr val="bg1"/>
+            </a:solidFill>
+            <a:ln>
+              <a:solidFill>
+                <a:schemeClr val="tx1"/>
+              </a:solidFill>
+            </a:ln>
+          </p:spPr>
+          <p:style>
+            <a:lnRef idx="2">
+              <a:schemeClr val="accent1">
+                <a:shade val="50000"/>
+              </a:schemeClr>
+            </a:lnRef>
+            <a:fillRef idx="1">
+              <a:schemeClr val="accent1"/>
+            </a:fillRef>
+            <a:effectRef idx="0">
+              <a:schemeClr val="accent1"/>
+            </a:effectRef>
+            <a:fontRef idx="minor">
+              <a:schemeClr val="lt1"/>
+            </a:fontRef>
+          </p:style>
+          <p:txBody>
+            <a:bodyPr rtlCol="0" anchor="ctr"/>
+            <a:lstStyle/>
+            <a:p>
+              <a:pPr algn="ctr"/>
+              <a:endParaRPr kumimoji="1" lang="ja-JP" altLang="en-US"/>
+            </a:p>
+          </p:txBody>
+        </p:sp>
+        <p:sp>
+          <p:nvSpPr>
+            <p:cNvPr id="6" name="テキスト ボックス 5"/>
+            <p:cNvSpPr txBox="1"/>
+            <p:nvPr/>
+          </p:nvSpPr>
+          <p:spPr>
+            <a:xfrm>
+              <a:off x="1066799" y="1912095"/>
+              <a:ext cx="2326105" cy="954107"/>
+            </a:xfrm>
+            <a:prstGeom prst="rect">
+              <a:avLst/>
+            </a:prstGeom>
+            <a:noFill/>
+          </p:spPr>
+          <p:txBody>
+            <a:bodyPr wrap="square" rtlCol="0">
+              <a:spAutoFit/>
+            </a:bodyPr>
+            <a:lstStyle/>
+            <a:p>
+              <a:r>
+                <a:rPr kumimoji="1" lang="ja-JP" altLang="en-US" sz="2800" dirty="0" smtClean="0"/>
+                <a:t>①ステージ選択</a:t>
+              </a:r>
+              <a:endParaRPr kumimoji="1" lang="ja-JP" altLang="en-US" sz="2800" dirty="0"/>
+            </a:p>
+          </p:txBody>
+        </p:sp>
+      </p:grpSp>
+      <p:grpSp>
+        <p:nvGrpSpPr>
+          <p:cNvPr id="8" name="グループ化 7"/>
+          <p:cNvGrpSpPr/>
+          <p:nvPr/>
+        </p:nvGrpSpPr>
+        <p:grpSpPr>
+          <a:xfrm>
+            <a:off x="5983708" y="1459831"/>
+            <a:ext cx="3240503" cy="1427747"/>
+            <a:chOff x="1042737" y="1459832"/>
+            <a:chExt cx="2807369" cy="1427747"/>
+          </a:xfrm>
+        </p:grpSpPr>
+        <p:sp>
+          <p:nvSpPr>
+            <p:cNvPr id="9" name="正方形/長方形 8"/>
+            <p:cNvSpPr/>
+            <p:nvPr/>
+          </p:nvSpPr>
+          <p:spPr>
+            <a:xfrm>
+              <a:off x="1042737" y="1459832"/>
+              <a:ext cx="2671011" cy="1427747"/>
+            </a:xfrm>
+            <a:prstGeom prst="rect">
+              <a:avLst/>
+            </a:prstGeom>
+            <a:solidFill>
+              <a:schemeClr val="bg1"/>
+            </a:solidFill>
+            <a:ln>
+              <a:solidFill>
+                <a:schemeClr val="tx1"/>
+              </a:solidFill>
+            </a:ln>
+          </p:spPr>
+          <p:style>
+            <a:lnRef idx="2">
+              <a:schemeClr val="accent1">
+                <a:shade val="50000"/>
+              </a:schemeClr>
+            </a:lnRef>
+            <a:fillRef idx="1">
+              <a:schemeClr val="accent1"/>
+            </a:fillRef>
+            <a:effectRef idx="0">
+              <a:schemeClr val="accent1"/>
+            </a:effectRef>
+            <a:fontRef idx="minor">
+              <a:schemeClr val="lt1"/>
+            </a:fontRef>
+          </p:style>
+          <p:txBody>
+            <a:bodyPr rtlCol="0" anchor="ctr"/>
+            <a:lstStyle/>
+            <a:p>
+              <a:pPr algn="ctr"/>
+              <a:endParaRPr kumimoji="1" lang="ja-JP" altLang="en-US"/>
+            </a:p>
+          </p:txBody>
+        </p:sp>
+        <p:sp>
+          <p:nvSpPr>
+            <p:cNvPr id="10" name="テキスト ボックス 9"/>
+            <p:cNvSpPr txBox="1"/>
+            <p:nvPr/>
+          </p:nvSpPr>
+          <p:spPr>
+            <a:xfrm>
+              <a:off x="1042737" y="1764631"/>
+              <a:ext cx="2807369" cy="954107"/>
+            </a:xfrm>
+            <a:prstGeom prst="rect">
+              <a:avLst/>
+            </a:prstGeom>
+            <a:noFill/>
+          </p:spPr>
+          <p:txBody>
+            <a:bodyPr wrap="square" rtlCol="0">
+              <a:spAutoFit/>
+            </a:bodyPr>
+            <a:lstStyle/>
+            <a:p>
+              <a:r>
+                <a:rPr kumimoji="1" lang="ja-JP" altLang="en-US" sz="2800" dirty="0" smtClean="0"/>
+                <a:t>②武器・特殊効果の抽選</a:t>
+              </a:r>
+              <a:endParaRPr kumimoji="1" lang="ja-JP" altLang="en-US" sz="2800" dirty="0"/>
+            </a:p>
+          </p:txBody>
+        </p:sp>
+      </p:grpSp>
+      <p:sp>
+        <p:nvSpPr>
+          <p:cNvPr id="11" name="右矢印 10"/>
+          <p:cNvSpPr/>
+          <p:nvPr/>
+        </p:nvSpPr>
+        <p:spPr>
+          <a:xfrm>
+            <a:off x="1378125" y="4571998"/>
+            <a:ext cx="1491915" cy="818148"/>
+          </a:xfrm>
+          <a:prstGeom prst="rightArrow">
+            <a:avLst/>
+          </a:prstGeom>
+          <a:solidFill>
+            <a:schemeClr val="tx1"/>
+          </a:solidFill>
+        </p:spPr>
+        <p:style>
+          <a:lnRef idx="2">
+            <a:schemeClr val="accent1">
+              <a:shade val="50000"/>
+            </a:schemeClr>
+          </a:lnRef>
+          <a:fillRef idx="1">
+            <a:schemeClr val="accent1"/>
+          </a:fillRef>
+          <a:effectRef idx="0">
+            <a:schemeClr val="accent1"/>
+          </a:effectRef>
+          <a:fontRef idx="minor">
+            <a:schemeClr val="lt1"/>
+          </a:fontRef>
+        </p:style>
+        <p:txBody>
+          <a:bodyPr rtlCol="0" anchor="ctr"/>
+          <a:lstStyle/>
+          <a:p>
+            <a:pPr algn="ctr"/>
+            <a:endParaRPr kumimoji="1" lang="ja-JP" altLang="en-US"/>
+          </a:p>
+        </p:txBody>
+      </p:sp>
+      <p:grpSp>
+        <p:nvGrpSpPr>
+          <p:cNvPr id="12" name="グループ化 11"/>
+          <p:cNvGrpSpPr/>
+          <p:nvPr/>
+        </p:nvGrpSpPr>
+        <p:grpSpPr>
+          <a:xfrm>
+            <a:off x="3407222" y="4267197"/>
+            <a:ext cx="2524356" cy="1427747"/>
+            <a:chOff x="1042737" y="1459832"/>
+            <a:chExt cx="2671011" cy="1427747"/>
+          </a:xfrm>
+        </p:grpSpPr>
+        <p:sp>
+          <p:nvSpPr>
+            <p:cNvPr id="13" name="正方形/長方形 12"/>
+            <p:cNvSpPr/>
+            <p:nvPr/>
+          </p:nvSpPr>
+          <p:spPr>
+            <a:xfrm>
+              <a:off x="1042737" y="1459832"/>
+              <a:ext cx="2671011" cy="1427747"/>
+            </a:xfrm>
+            <a:prstGeom prst="rect">
+              <a:avLst/>
+            </a:prstGeom>
+            <a:solidFill>
+              <a:schemeClr val="bg1"/>
+            </a:solidFill>
+            <a:ln>
+              <a:solidFill>
+                <a:schemeClr val="tx1"/>
+              </a:solidFill>
+            </a:ln>
+          </p:spPr>
+          <p:style>
+            <a:lnRef idx="2">
+              <a:schemeClr val="accent1">
+                <a:shade val="50000"/>
+              </a:schemeClr>
+            </a:lnRef>
+            <a:fillRef idx="1">
+              <a:schemeClr val="accent1"/>
+            </a:fillRef>
+            <a:effectRef idx="0">
+              <a:schemeClr val="accent1"/>
+            </a:effectRef>
+            <a:fontRef idx="minor">
+              <a:schemeClr val="lt1"/>
+            </a:fontRef>
+          </p:style>
+          <p:txBody>
+            <a:bodyPr rtlCol="0" anchor="ctr"/>
+            <a:lstStyle/>
+            <a:p>
+              <a:pPr algn="ctr"/>
+              <a:endParaRPr kumimoji="1" lang="ja-JP" altLang="en-US"/>
+            </a:p>
+          </p:txBody>
+        </p:sp>
+        <p:sp>
+          <p:nvSpPr>
+            <p:cNvPr id="14" name="テキスト ボックス 13"/>
+            <p:cNvSpPr txBox="1"/>
+            <p:nvPr/>
+          </p:nvSpPr>
+          <p:spPr>
+            <a:xfrm>
+              <a:off x="1343743" y="1912095"/>
+              <a:ext cx="2228128" cy="523220"/>
+            </a:xfrm>
+            <a:prstGeom prst="rect">
+              <a:avLst/>
+            </a:prstGeom>
+            <a:noFill/>
+          </p:spPr>
+          <p:txBody>
+            <a:bodyPr wrap="square" rtlCol="0">
+              <a:spAutoFit/>
+            </a:bodyPr>
+            <a:lstStyle/>
+            <a:p>
+              <a:r>
+                <a:rPr lang="ja-JP" altLang="en-US" sz="2800" dirty="0" smtClean="0"/>
+                <a:t>③プレイ！</a:t>
+              </a:r>
+              <a:endParaRPr kumimoji="1" lang="ja-JP" altLang="en-US" sz="2800" dirty="0"/>
+            </a:p>
+          </p:txBody>
+        </p:sp>
+      </p:grpSp>
+      <p:sp>
+        <p:nvSpPr>
+          <p:cNvPr id="15" name="右矢印 14"/>
+          <p:cNvSpPr/>
+          <p:nvPr/>
+        </p:nvSpPr>
+        <p:spPr>
+          <a:xfrm>
+            <a:off x="6753239" y="4571998"/>
+            <a:ext cx="1491915" cy="818148"/>
+          </a:xfrm>
+          <a:prstGeom prst="rightArrow">
+            <a:avLst/>
+          </a:prstGeom>
+          <a:solidFill>
+            <a:schemeClr val="tx1"/>
+          </a:solidFill>
+        </p:spPr>
+        <p:style>
+          <a:lnRef idx="2">
+            <a:schemeClr val="accent1">
+              <a:shade val="50000"/>
+            </a:schemeClr>
+          </a:lnRef>
+          <a:fillRef idx="1">
+            <a:schemeClr val="accent1"/>
+          </a:fillRef>
+          <a:effectRef idx="0">
+            <a:schemeClr val="accent1"/>
+          </a:effectRef>
+          <a:fontRef idx="minor">
+            <a:schemeClr val="lt1"/>
+          </a:fontRef>
+        </p:style>
+        <p:txBody>
+          <a:bodyPr rtlCol="0" anchor="ctr"/>
+          <a:lstStyle/>
+          <a:p>
+            <a:pPr algn="ctr"/>
+            <a:endParaRPr kumimoji="1" lang="ja-JP" altLang="en-US"/>
+          </a:p>
+        </p:txBody>
+      </p:sp>
+      <p:grpSp>
+        <p:nvGrpSpPr>
+          <p:cNvPr id="16" name="グループ化 15"/>
+          <p:cNvGrpSpPr/>
+          <p:nvPr/>
+        </p:nvGrpSpPr>
+        <p:grpSpPr>
+          <a:xfrm>
+            <a:off x="9066815" y="4267197"/>
+            <a:ext cx="2501577" cy="1427747"/>
+            <a:chOff x="1042737" y="1459831"/>
+            <a:chExt cx="3072118" cy="1427747"/>
+          </a:xfrm>
+        </p:grpSpPr>
+        <p:sp>
+          <p:nvSpPr>
+            <p:cNvPr id="17" name="正方形/長方形 16"/>
+            <p:cNvSpPr/>
+            <p:nvPr/>
+          </p:nvSpPr>
+          <p:spPr>
+            <a:xfrm>
+              <a:off x="1042737" y="1459831"/>
+              <a:ext cx="2671011" cy="1427747"/>
+            </a:xfrm>
+            <a:prstGeom prst="rect">
+              <a:avLst/>
+            </a:prstGeom>
+            <a:solidFill>
+              <a:schemeClr val="bg1"/>
+            </a:solidFill>
+            <a:ln>
+              <a:solidFill>
+                <a:schemeClr val="tx1"/>
+              </a:solidFill>
+            </a:ln>
+          </p:spPr>
+          <p:style>
+            <a:lnRef idx="2">
+              <a:schemeClr val="accent1">
+                <a:shade val="50000"/>
+              </a:schemeClr>
+            </a:lnRef>
+            <a:fillRef idx="1">
+              <a:schemeClr val="accent1"/>
+            </a:fillRef>
+            <a:effectRef idx="0">
+              <a:schemeClr val="accent1"/>
+            </a:effectRef>
+            <a:fontRef idx="minor">
+              <a:schemeClr val="lt1"/>
+            </a:fontRef>
+          </p:style>
+          <p:txBody>
+            <a:bodyPr rtlCol="0" anchor="ctr"/>
+            <a:lstStyle/>
+            <a:p>
+              <a:pPr algn="ctr"/>
+              <a:endParaRPr kumimoji="1" lang="ja-JP" altLang="en-US"/>
+            </a:p>
+          </p:txBody>
+        </p:sp>
+        <p:sp>
+          <p:nvSpPr>
+            <p:cNvPr id="18" name="テキスト ボックス 17"/>
+            <p:cNvSpPr txBox="1"/>
+            <p:nvPr/>
+          </p:nvSpPr>
+          <p:spPr>
+            <a:xfrm>
+              <a:off x="1307486" y="1912096"/>
+              <a:ext cx="2807369" cy="523220"/>
+            </a:xfrm>
+            <a:prstGeom prst="rect">
+              <a:avLst/>
+            </a:prstGeom>
+            <a:noFill/>
+          </p:spPr>
+          <p:txBody>
+            <a:bodyPr wrap="square" rtlCol="0">
+              <a:spAutoFit/>
+            </a:bodyPr>
+            <a:lstStyle/>
+            <a:p>
+              <a:r>
+                <a:rPr lang="ja-JP" altLang="en-US" sz="2800" dirty="0" smtClean="0"/>
+                <a:t>①に戻る</a:t>
+              </a:r>
+              <a:endParaRPr kumimoji="1" lang="ja-JP" altLang="en-US" sz="2800" dirty="0"/>
+            </a:p>
+          </p:txBody>
+        </p:sp>
+      </p:grpSp>
+    </p:spTree>
+    <p:extLst>
+      <p:ext uri="{BB962C8B-B14F-4D97-AF65-F5344CB8AC3E}">
+        <p14:creationId xmlns:p14="http://schemas.microsoft.com/office/powerpoint/2010/main" val="3746035974"/>
       </p:ext>
     </p:extLst>
   </p:cSld>

--- a/個人制作/GoodLuckyer.pptx
+++ b/個人制作/GoodLuckyer.pptx
@@ -246,7 +246,7 @@
           <a:p>
             <a:fld id="{A9BB642B-6FA0-42F0-8A92-8868F5A77D7B}" type="datetimeFigureOut">
               <a:rPr kumimoji="1" lang="ja-JP" altLang="en-US" smtClean="0"/>
-              <a:t>2024/10/17</a:t>
+              <a:t>2024/10/18</a:t>
             </a:fld>
             <a:endParaRPr kumimoji="1" lang="ja-JP" altLang="en-US"/>
           </a:p>
@@ -448,7 +448,7 @@
           <a:p>
             <a:fld id="{A9BB642B-6FA0-42F0-8A92-8868F5A77D7B}" type="datetimeFigureOut">
               <a:rPr kumimoji="1" lang="ja-JP" altLang="en-US" smtClean="0"/>
-              <a:t>2024/10/17</a:t>
+              <a:t>2024/10/18</a:t>
             </a:fld>
             <a:endParaRPr kumimoji="1" lang="ja-JP" altLang="en-US"/>
           </a:p>
@@ -660,7 +660,7 @@
           <a:p>
             <a:fld id="{A9BB642B-6FA0-42F0-8A92-8868F5A77D7B}" type="datetimeFigureOut">
               <a:rPr kumimoji="1" lang="ja-JP" altLang="en-US" smtClean="0"/>
-              <a:t>2024/10/17</a:t>
+              <a:t>2024/10/18</a:t>
             </a:fld>
             <a:endParaRPr kumimoji="1" lang="ja-JP" altLang="en-US"/>
           </a:p>
@@ -862,7 +862,7 @@
           <a:p>
             <a:fld id="{A9BB642B-6FA0-42F0-8A92-8868F5A77D7B}" type="datetimeFigureOut">
               <a:rPr kumimoji="1" lang="ja-JP" altLang="en-US" smtClean="0"/>
-              <a:t>2024/10/17</a:t>
+              <a:t>2024/10/18</a:t>
             </a:fld>
             <a:endParaRPr kumimoji="1" lang="ja-JP" altLang="en-US"/>
           </a:p>
@@ -1108,7 +1108,7 @@
           <a:p>
             <a:fld id="{A9BB642B-6FA0-42F0-8A92-8868F5A77D7B}" type="datetimeFigureOut">
               <a:rPr kumimoji="1" lang="ja-JP" altLang="en-US" smtClean="0"/>
-              <a:t>2024/10/17</a:t>
+              <a:t>2024/10/18</a:t>
             </a:fld>
             <a:endParaRPr kumimoji="1" lang="ja-JP" altLang="en-US"/>
           </a:p>
@@ -1404,7 +1404,7 @@
           <a:p>
             <a:fld id="{A9BB642B-6FA0-42F0-8A92-8868F5A77D7B}" type="datetimeFigureOut">
               <a:rPr kumimoji="1" lang="ja-JP" altLang="en-US" smtClean="0"/>
-              <a:t>2024/10/17</a:t>
+              <a:t>2024/10/18</a:t>
             </a:fld>
             <a:endParaRPr kumimoji="1" lang="ja-JP" altLang="en-US"/>
           </a:p>
@@ -1835,7 +1835,7 @@
           <a:p>
             <a:fld id="{A9BB642B-6FA0-42F0-8A92-8868F5A77D7B}" type="datetimeFigureOut">
               <a:rPr kumimoji="1" lang="ja-JP" altLang="en-US" smtClean="0"/>
-              <a:t>2024/10/17</a:t>
+              <a:t>2024/10/18</a:t>
             </a:fld>
             <a:endParaRPr kumimoji="1" lang="ja-JP" altLang="en-US"/>
           </a:p>
@@ -1953,7 +1953,7 @@
           <a:p>
             <a:fld id="{A9BB642B-6FA0-42F0-8A92-8868F5A77D7B}" type="datetimeFigureOut">
               <a:rPr kumimoji="1" lang="ja-JP" altLang="en-US" smtClean="0"/>
-              <a:t>2024/10/17</a:t>
+              <a:t>2024/10/18</a:t>
             </a:fld>
             <a:endParaRPr kumimoji="1" lang="ja-JP" altLang="en-US"/>
           </a:p>
@@ -2048,7 +2048,7 @@
           <a:p>
             <a:fld id="{A9BB642B-6FA0-42F0-8A92-8868F5A77D7B}" type="datetimeFigureOut">
               <a:rPr kumimoji="1" lang="ja-JP" altLang="en-US" smtClean="0"/>
-              <a:t>2024/10/17</a:t>
+              <a:t>2024/10/18</a:t>
             </a:fld>
             <a:endParaRPr kumimoji="1" lang="ja-JP" altLang="en-US"/>
           </a:p>
@@ -2357,7 +2357,7 @@
           <a:p>
             <a:fld id="{A9BB642B-6FA0-42F0-8A92-8868F5A77D7B}" type="datetimeFigureOut">
               <a:rPr kumimoji="1" lang="ja-JP" altLang="en-US" smtClean="0"/>
-              <a:t>2024/10/17</a:t>
+              <a:t>2024/10/18</a:t>
             </a:fld>
             <a:endParaRPr kumimoji="1" lang="ja-JP" altLang="en-US"/>
           </a:p>
@@ -2610,7 +2610,7 @@
           <a:p>
             <a:fld id="{A9BB642B-6FA0-42F0-8A92-8868F5A77D7B}" type="datetimeFigureOut">
               <a:rPr kumimoji="1" lang="ja-JP" altLang="en-US" smtClean="0"/>
-              <a:t>2024/10/17</a:t>
+              <a:t>2024/10/18</a:t>
             </a:fld>
             <a:endParaRPr kumimoji="1" lang="ja-JP" altLang="en-US"/>
           </a:p>
@@ -2855,7 +2855,7 @@
           <a:p>
             <a:fld id="{A9BB642B-6FA0-42F0-8A92-8868F5A77D7B}" type="datetimeFigureOut">
               <a:rPr kumimoji="1" lang="ja-JP" altLang="en-US" smtClean="0"/>
-              <a:t>2024/10/17</a:t>
+              <a:t>2024/10/18</a:t>
             </a:fld>
             <a:endParaRPr kumimoji="1" lang="ja-JP" altLang="en-US"/>
           </a:p>
@@ -3355,11 +3355,7 @@
           <a:p>
             <a:r>
               <a:rPr lang="ja-JP" altLang="en-US" sz="3600" dirty="0" smtClean="0"/>
-              <a:t>内容</a:t>
-            </a:r>
-            <a:r>
-              <a:rPr lang="ja-JP" altLang="en-US" sz="3600" dirty="0" smtClean="0"/>
-              <a:t>：プレイするたびに変化する</a:t>
+              <a:t>内容：プレイするたびに変化する</a:t>
             </a:r>
             <a:endParaRPr lang="en-US" altLang="ja-JP" sz="3600" dirty="0" smtClean="0"/>
           </a:p>
@@ -3370,11 +3366,7 @@
             </a:r>
             <a:r>
               <a:rPr lang="ja-JP" altLang="en-US" sz="3600" dirty="0" smtClean="0"/>
-              <a:t>　　</a:t>
-            </a:r>
-            <a:r>
-              <a:rPr lang="ja-JP" altLang="en-US" sz="3600" dirty="0" smtClean="0"/>
-              <a:t>武器と能力を駆使してゴールを目指す</a:t>
+              <a:t>　　武器と能力を駆使してゴールを目指す</a:t>
             </a:r>
             <a:endParaRPr lang="en-US" altLang="ja-JP" sz="3600" dirty="0" smtClean="0"/>
           </a:p>
